--- a/documents/Presentation.pptx
+++ b/documents/Presentation.pptx
@@ -15,6 +15,7 @@
     <p:sldId id="263" r:id="rId9"/>
     <p:sldId id="264" r:id="rId10"/>
     <p:sldId id="265" r:id="rId11"/>
+    <p:sldId id="266" r:id="rId12"/>
   </p:sldIdLst>
   <p:sldSz cx="9144000" cy="6858000" type="screen4x3"/>
   <p:notesSz cx="6858000" cy="9144000"/>
@@ -4173,6 +4174,320 @@
 </p:sld>
 </file>
 
+<file path=ppt/slides/slide11.xml><?xml version="1.0" encoding="utf-8"?>
+<p:sld xmlns:a="http://schemas.openxmlformats.org/drawingml/2006/main" xmlns:r="http://schemas.openxmlformats.org/officeDocument/2006/relationships" xmlns:p="http://schemas.openxmlformats.org/presentationml/2006/main">
+  <p:cSld>
+    <p:spTree>
+      <p:nvGrpSpPr>
+        <p:cNvPr id="1" name=""/>
+        <p:cNvGrpSpPr/>
+        <p:nvPr/>
+      </p:nvGrpSpPr>
+      <p:grpSpPr>
+        <a:xfrm>
+          <a:off x="0" y="0"/>
+          <a:ext cx="0" cy="0"/>
+          <a:chOff x="0" y="0"/>
+          <a:chExt cx="0" cy="0"/>
+        </a:xfrm>
+      </p:grpSpPr>
+      <p:sp>
+        <p:nvSpPr>
+          <p:cNvPr id="2" name="Title 1"/>
+          <p:cNvSpPr>
+            <a:spLocks noGrp="1"/>
+          </p:cNvSpPr>
+          <p:nvPr>
+            <p:ph type="title"/>
+          </p:nvPr>
+        </p:nvSpPr>
+        <p:spPr/>
+        <p:txBody>
+          <a:bodyPr>
+            <a:normAutofit/>
+          </a:bodyPr>
+          <a:lstStyle/>
+          <a:p>
+            <a:r>
+              <a:rPr lang="en-US" dirty="0" smtClean="0"/>
+              <a:t>Question</a:t>
+            </a:r>
+            <a:endParaRPr lang="en-US" dirty="0"/>
+          </a:p>
+        </p:txBody>
+      </p:sp>
+      <p:sp>
+        <p:nvSpPr>
+          <p:cNvPr id="6" name="Content Placeholder 2"/>
+          <p:cNvSpPr txBox="1">
+            <a:spLocks/>
+          </p:cNvSpPr>
+          <p:nvPr/>
+        </p:nvSpPr>
+        <p:spPr>
+          <a:xfrm>
+            <a:off x="457200" y="1775191"/>
+            <a:ext cx="7803848" cy="4514333"/>
+          </a:xfrm>
+          <a:prstGeom prst="rect">
+            <a:avLst/>
+          </a:prstGeom>
+        </p:spPr>
+        <p:txBody>
+          <a:bodyPr vert="horz" lIns="54864" tIns="91440" rtlCol="0">
+            <a:normAutofit/>
+          </a:bodyPr>
+          <a:lstStyle>
+            <a:lvl1pPr marL="438912" indent="-320040" algn="l" rtl="0" eaLnBrk="1" latinLnBrk="0" hangingPunct="1">
+              <a:spcBef>
+                <a:spcPts val="0"/>
+              </a:spcBef>
+              <a:buClr>
+                <a:schemeClr val="accent1"/>
+              </a:buClr>
+              <a:buSzPct val="80000"/>
+              <a:buFont typeface="Wingdings 2"/>
+              <a:buChar char=""/>
+              <a:defRPr kumimoji="0" sz="3200" kern="1200">
+                <a:solidFill>
+                  <a:schemeClr val="tx1"/>
+                </a:solidFill>
+                <a:latin typeface="+mn-lt"/>
+                <a:ea typeface="+mn-ea"/>
+                <a:cs typeface="+mn-cs"/>
+              </a:defRPr>
+            </a:lvl1pPr>
+            <a:lvl2pPr marL="731520" indent="-274320" algn="l" rtl="0" eaLnBrk="1" latinLnBrk="0" hangingPunct="1">
+              <a:spcBef>
+                <a:spcPct val="20000"/>
+              </a:spcBef>
+              <a:buClr>
+                <a:schemeClr val="accent2"/>
+              </a:buClr>
+              <a:buSzPct val="90000"/>
+              <a:buFont typeface="Wingdings"/>
+              <a:buChar char=""/>
+              <a:defRPr kumimoji="0" sz="2800" kern="1200">
+                <a:solidFill>
+                  <a:schemeClr val="tx1"/>
+                </a:solidFill>
+                <a:latin typeface="+mn-lt"/>
+                <a:ea typeface="+mn-ea"/>
+                <a:cs typeface="+mn-cs"/>
+              </a:defRPr>
+            </a:lvl2pPr>
+            <a:lvl3pPr marL="996696" indent="-228600" algn="l" rtl="0" eaLnBrk="1" latinLnBrk="0" hangingPunct="1">
+              <a:spcBef>
+                <a:spcPct val="20000"/>
+              </a:spcBef>
+              <a:buClr>
+                <a:schemeClr val="accent3"/>
+              </a:buClr>
+              <a:buFont typeface="Arial"/>
+              <a:buChar char="▪"/>
+              <a:defRPr kumimoji="0" sz="2400" kern="1200">
+                <a:solidFill>
+                  <a:schemeClr val="tx1"/>
+                </a:solidFill>
+                <a:latin typeface="+mn-lt"/>
+                <a:ea typeface="+mn-ea"/>
+                <a:cs typeface="+mn-cs"/>
+              </a:defRPr>
+            </a:lvl3pPr>
+            <a:lvl4pPr marL="1216152" indent="-182880" algn="l" rtl="0" eaLnBrk="1" latinLnBrk="0" hangingPunct="1">
+              <a:spcBef>
+                <a:spcPct val="20000"/>
+              </a:spcBef>
+              <a:buClr>
+                <a:schemeClr val="accent4"/>
+              </a:buClr>
+              <a:buFont typeface="Arial"/>
+              <a:buChar char="▪"/>
+              <a:defRPr kumimoji="0" sz="2000" kern="1200">
+                <a:solidFill>
+                  <a:schemeClr val="tx1"/>
+                </a:solidFill>
+                <a:latin typeface="+mn-lt"/>
+                <a:ea typeface="+mn-ea"/>
+                <a:cs typeface="+mn-cs"/>
+              </a:defRPr>
+            </a:lvl4pPr>
+            <a:lvl5pPr marL="1426464" indent="-182880" algn="l" rtl="0" eaLnBrk="1" latinLnBrk="0" hangingPunct="1">
+              <a:spcBef>
+                <a:spcPct val="20000"/>
+              </a:spcBef>
+              <a:buClr>
+                <a:schemeClr val="accent5"/>
+              </a:buClr>
+              <a:buFont typeface="Wingdings 3"/>
+              <a:buChar char=""/>
+              <a:defRPr kumimoji="0" lang="en-US" sz="2000" kern="1200" smtClean="0">
+                <a:solidFill>
+                  <a:schemeClr val="tx1"/>
+                </a:solidFill>
+                <a:latin typeface="+mn-lt"/>
+                <a:ea typeface="+mn-ea"/>
+                <a:cs typeface="+mn-cs"/>
+              </a:defRPr>
+            </a:lvl5pPr>
+            <a:lvl6pPr marL="1627632" indent="-182880" algn="l" rtl="0" eaLnBrk="1" latinLnBrk="0" hangingPunct="1">
+              <a:spcBef>
+                <a:spcPct val="20000"/>
+              </a:spcBef>
+              <a:buClr>
+                <a:schemeClr val="accent6"/>
+              </a:buClr>
+              <a:buSzPct val="100000"/>
+              <a:buFont typeface="Wingdings 2"/>
+              <a:buChar char=""/>
+              <a:defRPr kumimoji="0" sz="2000" kern="1200">
+                <a:solidFill>
+                  <a:schemeClr val="tx1"/>
+                </a:solidFill>
+                <a:latin typeface="+mn-lt"/>
+                <a:ea typeface="+mn-ea"/>
+                <a:cs typeface="+mn-cs"/>
+              </a:defRPr>
+            </a:lvl6pPr>
+            <a:lvl7pPr marL="1828800" indent="-182880" algn="l" rtl="0" eaLnBrk="1" latinLnBrk="0" hangingPunct="1">
+              <a:spcBef>
+                <a:spcPct val="20000"/>
+              </a:spcBef>
+              <a:buClr>
+                <a:schemeClr val="accent1"/>
+              </a:buClr>
+              <a:buSzPct val="100000"/>
+              <a:buFont typeface="Wingdings 2"/>
+              <a:buChar char=""/>
+              <a:defRPr kumimoji="0" sz="1800" kern="1200">
+                <a:solidFill>
+                  <a:schemeClr val="tx1"/>
+                </a:solidFill>
+                <a:latin typeface="+mn-lt"/>
+                <a:ea typeface="+mn-ea"/>
+                <a:cs typeface="+mn-cs"/>
+              </a:defRPr>
+            </a:lvl7pPr>
+            <a:lvl8pPr marL="2029968" indent="-182880" algn="l" rtl="0" eaLnBrk="1" latinLnBrk="0" hangingPunct="1">
+              <a:spcBef>
+                <a:spcPct val="20000"/>
+              </a:spcBef>
+              <a:buClr>
+                <a:schemeClr val="accent2"/>
+              </a:buClr>
+              <a:buFont typeface="Wingdings 2" pitchFamily="18" charset="2"/>
+              <a:buChar char=""/>
+              <a:defRPr kumimoji="0" sz="1800" kern="1200">
+                <a:solidFill>
+                  <a:schemeClr val="tx1"/>
+                </a:solidFill>
+                <a:latin typeface="+mn-lt"/>
+                <a:ea typeface="+mn-ea"/>
+                <a:cs typeface="+mn-cs"/>
+              </a:defRPr>
+            </a:lvl8pPr>
+            <a:lvl9pPr marL="2231136" indent="-182880" algn="l" rtl="0" eaLnBrk="1" latinLnBrk="0" hangingPunct="1">
+              <a:spcBef>
+                <a:spcPct val="20000"/>
+              </a:spcBef>
+              <a:buClr>
+                <a:schemeClr val="accent3"/>
+              </a:buClr>
+              <a:buFont typeface="Wingdings 2" pitchFamily="18" charset="2"/>
+              <a:buChar char=""/>
+              <a:defRPr kumimoji="0" sz="1800" kern="1200" baseline="0">
+                <a:solidFill>
+                  <a:schemeClr val="tx1"/>
+                </a:solidFill>
+                <a:latin typeface="+mn-lt"/>
+                <a:ea typeface="+mn-ea"/>
+                <a:cs typeface="+mn-cs"/>
+              </a:defRPr>
+            </a:lvl9pPr>
+            <a:extLst/>
+          </a:lstStyle>
+          <a:p>
+            <a:r>
+              <a:rPr lang="en-US" dirty="0" smtClean="0"/>
+              <a:t>Code can be found on </a:t>
+            </a:r>
+            <a:r>
+              <a:rPr lang="en-US" dirty="0" err="1" smtClean="0"/>
+              <a:t>github</a:t>
+            </a:r>
+            <a:r>
+              <a:rPr lang="en-US" dirty="0" smtClean="0"/>
+              <a:t>. It is private repository. To get access please send me an email at:</a:t>
+            </a:r>
+          </a:p>
+          <a:p>
+            <a:pPr lvl="1"/>
+            <a:r>
+              <a:rPr lang="en-US" dirty="0">
+                <a:hlinkClick r:id="rId2"/>
+              </a:rPr>
+              <a:t>h</a:t>
+            </a:r>
+            <a:r>
+              <a:rPr lang="en-US" dirty="0" smtClean="0">
+                <a:hlinkClick r:id="rId2"/>
+              </a:rPr>
+              <a:t>ay.knock@gmail.com</a:t>
+            </a:r>
+            <a:endParaRPr lang="en-US" dirty="0" smtClean="0"/>
+          </a:p>
+          <a:p>
+            <a:pPr marL="457200" lvl="1" indent="0">
+              <a:buNone/>
+            </a:pPr>
+            <a:endParaRPr lang="en-US" dirty="0" smtClean="0"/>
+          </a:p>
+          <a:p>
+            <a:pPr marL="457200" lvl="1" indent="0">
+              <a:buNone/>
+            </a:pPr>
+            <a:endParaRPr lang="en-US" dirty="0" smtClean="0"/>
+          </a:p>
+          <a:p>
+            <a:r>
+              <a:rPr lang="en-US" sz="2400" dirty="0">
+                <a:hlinkClick r:id="rId3"/>
+              </a:rPr>
+              <a:t>https://github.com/habebe/fpx-salesforce-</a:t>
+            </a:r>
+            <a:r>
+              <a:rPr lang="en-US" sz="2400" dirty="0" smtClean="0">
+                <a:hlinkClick r:id="rId3"/>
+              </a:rPr>
+              <a:t>notification.git</a:t>
+            </a:r>
+            <a:endParaRPr lang="en-US" sz="2400" dirty="0" smtClean="0"/>
+          </a:p>
+          <a:p>
+            <a:endParaRPr lang="en-US" dirty="0" smtClean="0"/>
+          </a:p>
+        </p:txBody>
+      </p:sp>
+    </p:spTree>
+    <p:extLst>
+      <p:ext uri="{BB962C8B-B14F-4D97-AF65-F5344CB8AC3E}">
+        <p14:creationId xmlns:p14="http://schemas.microsoft.com/office/powerpoint/2010/main" val="2184086725"/>
+      </p:ext>
+    </p:extLst>
+  </p:cSld>
+  <p:clrMapOvr>
+    <a:masterClrMapping/>
+  </p:clrMapOvr>
+  <p:timing>
+    <p:tnLst>
+      <p:par>
+        <p:cTn xmlns:p14="http://schemas.microsoft.com/office/powerpoint/2010/main" id="1" dur="indefinite" restart="never" nodeType="tmRoot"/>
+      </p:par>
+    </p:tnLst>
+  </p:timing>
+</p:sld>
+</file>
+
 <file path=ppt/slides/slide2.xml><?xml version="1.0" encoding="utf-8"?>
 <p:sld xmlns:a="http://schemas.openxmlformats.org/drawingml/2006/main" xmlns:r="http://schemas.openxmlformats.org/officeDocument/2006/relationships" xmlns:p="http://schemas.openxmlformats.org/presentationml/2006/main">
   <p:cSld>
@@ -4240,40 +4555,20 @@
             </a:r>
             <a:r>
               <a:rPr lang="en-US" dirty="0"/>
-              <a:t>engineer with over 15 years experience architecting, designing and developing software applications. I have developed several distributed </a:t>
-            </a:r>
+              <a:t>engineer with over 15 years experience architecting, designing and developing software applications. </a:t>
+            </a:r>
+            <a:endParaRPr lang="en-US" dirty="0" smtClean="0"/>
+          </a:p>
+          <a:p>
             <a:r>
               <a:rPr lang="en-US" dirty="0" smtClean="0"/>
-              <a:t>applications </a:t>
-            </a:r>
-            <a:r>
-              <a:rPr lang="en-US" dirty="0"/>
-              <a:t>and frameworks</a:t>
-            </a:r>
-            <a:r>
-              <a:rPr lang="en-US" dirty="0" smtClean="0"/>
-              <a:t>.</a:t>
-            </a:r>
-          </a:p>
-          <a:p>
-            <a:r>
-              <a:rPr lang="en-US" dirty="0" smtClean="0"/>
-              <a:t> </a:t>
-            </a:r>
-            <a:r>
-              <a:rPr lang="en-US" dirty="0"/>
-              <a:t>I </a:t>
-            </a:r>
-            <a:r>
-              <a:rPr lang="en-US" dirty="0" smtClean="0"/>
-              <a:t>am </a:t>
-            </a:r>
-            <a:r>
-              <a:rPr lang="en-US" dirty="0"/>
-              <a:t>an enthusiastic problem solver and a great team player.   </a:t>
-            </a:r>
-          </a:p>
-          <a:p>
+              <a:t>Over the last 6 years I have been on focused on developing distributed applications using Java.</a:t>
+            </a:r>
+          </a:p>
+          <a:p>
+            <a:pPr marL="118872" indent="0">
+              <a:buNone/>
+            </a:pPr>
             <a:endParaRPr lang="en-US" dirty="0" smtClean="0"/>
           </a:p>
           <a:p>
@@ -4651,11 +4946,11 @@
           <a:p>
             <a:r>
               <a:rPr lang="en-US" dirty="0" smtClean="0"/>
-              <a:t>Recognizing </a:t>
+              <a:t>Identifying the opportunities </a:t>
             </a:r>
             <a:r>
               <a:rPr lang="en-US" dirty="0"/>
-              <a:t>opportunities before they become stale allows the organization to take </a:t>
+              <a:t>before they become stale allows the organization to take </a:t>
             </a:r>
             <a:r>
               <a:rPr lang="en-US" b="1" dirty="0"/>
